--- a/Dokumentation HHZ Rocket Project.pptx
+++ b/Dokumentation HHZ Rocket Project.pptx
@@ -118,6 +118,11 @@
       </a:defRPr>
     </a:lvl9pPr>
   </p:defaultTextStyle>
+  <p:extLst>
+    <p:ext uri="{EFAFB233-063F-42B5-8137-9DF3F51BA10A}">
+      <p15:sldGuideLst xmlns:p15="http://schemas.microsoft.com/office/powerpoint/2012/main"/>
+    </p:ext>
+  </p:extLst>
 </p:presentation>
 </file>
 
@@ -992,7 +997,7 @@
           <a:p>
             <a:fld id="{18DEE92F-2343-460E-A87F-DC2FD6DE70C4}" type="datetimeFigureOut">
               <a:rPr lang="en-US" smtClean="0"/>
-              <a:t>2/3/2024</a:t>
+              <a:t>2/4/2024</a:t>
             </a:fld>
             <a:endParaRPr lang="en-US"/>
           </a:p>
@@ -1192,7 +1197,7 @@
           <a:p>
             <a:fld id="{18DEE92F-2343-460E-A87F-DC2FD6DE70C4}" type="datetimeFigureOut">
               <a:rPr lang="en-US" smtClean="0"/>
-              <a:t>2/3/2024</a:t>
+              <a:t>2/4/2024</a:t>
             </a:fld>
             <a:endParaRPr lang="en-US"/>
           </a:p>
@@ -1402,7 +1407,7 @@
           <a:p>
             <a:fld id="{18DEE92F-2343-460E-A87F-DC2FD6DE70C4}" type="datetimeFigureOut">
               <a:rPr lang="en-US" smtClean="0"/>
-              <a:t>2/3/2024</a:t>
+              <a:t>2/4/2024</a:t>
             </a:fld>
             <a:endParaRPr lang="en-US"/>
           </a:p>
@@ -1602,7 +1607,7 @@
           <a:p>
             <a:fld id="{18DEE92F-2343-460E-A87F-DC2FD6DE70C4}" type="datetimeFigureOut">
               <a:rPr lang="en-US" smtClean="0"/>
-              <a:t>2/3/2024</a:t>
+              <a:t>2/4/2024</a:t>
             </a:fld>
             <a:endParaRPr lang="en-US"/>
           </a:p>
@@ -1878,7 +1883,7 @@
           <a:p>
             <a:fld id="{18DEE92F-2343-460E-A87F-DC2FD6DE70C4}" type="datetimeFigureOut">
               <a:rPr lang="en-US" smtClean="0"/>
-              <a:t>2/3/2024</a:t>
+              <a:t>2/4/2024</a:t>
             </a:fld>
             <a:endParaRPr lang="en-US"/>
           </a:p>
@@ -2146,7 +2151,7 @@
           <a:p>
             <a:fld id="{18DEE92F-2343-460E-A87F-DC2FD6DE70C4}" type="datetimeFigureOut">
               <a:rPr lang="en-US" smtClean="0"/>
-              <a:t>2/3/2024</a:t>
+              <a:t>2/4/2024</a:t>
             </a:fld>
             <a:endParaRPr lang="en-US"/>
           </a:p>
@@ -2561,7 +2566,7 @@
           <a:p>
             <a:fld id="{18DEE92F-2343-460E-A87F-DC2FD6DE70C4}" type="datetimeFigureOut">
               <a:rPr lang="en-US" smtClean="0"/>
-              <a:t>2/3/2024</a:t>
+              <a:t>2/4/2024</a:t>
             </a:fld>
             <a:endParaRPr lang="en-US"/>
           </a:p>
@@ -2703,7 +2708,7 @@
           <a:p>
             <a:fld id="{18DEE92F-2343-460E-A87F-DC2FD6DE70C4}" type="datetimeFigureOut">
               <a:rPr lang="en-US" smtClean="0"/>
-              <a:t>2/3/2024</a:t>
+              <a:t>2/4/2024</a:t>
             </a:fld>
             <a:endParaRPr lang="en-US"/>
           </a:p>
@@ -2816,7 +2821,7 @@
           <a:p>
             <a:fld id="{18DEE92F-2343-460E-A87F-DC2FD6DE70C4}" type="datetimeFigureOut">
               <a:rPr lang="en-US" smtClean="0"/>
-              <a:t>2/3/2024</a:t>
+              <a:t>2/4/2024</a:t>
             </a:fld>
             <a:endParaRPr lang="en-US"/>
           </a:p>
@@ -3129,7 +3134,7 @@
           <a:p>
             <a:fld id="{18DEE92F-2343-460E-A87F-DC2FD6DE70C4}" type="datetimeFigureOut">
               <a:rPr lang="en-US" smtClean="0"/>
-              <a:t>2/3/2024</a:t>
+              <a:t>2/4/2024</a:t>
             </a:fld>
             <a:endParaRPr lang="en-US"/>
           </a:p>
@@ -3418,7 +3423,7 @@
           <a:p>
             <a:fld id="{18DEE92F-2343-460E-A87F-DC2FD6DE70C4}" type="datetimeFigureOut">
               <a:rPr lang="en-US" smtClean="0"/>
-              <a:t>2/3/2024</a:t>
+              <a:t>2/4/2024</a:t>
             </a:fld>
             <a:endParaRPr lang="en-US"/>
           </a:p>
@@ -3661,7 +3666,7 @@
           <a:p>
             <a:fld id="{18DEE92F-2343-460E-A87F-DC2FD6DE70C4}" type="datetimeFigureOut">
               <a:rPr lang="en-US" smtClean="0"/>
-              <a:t>2/3/2024</a:t>
+              <a:t>2/4/2024</a:t>
             </a:fld>
             <a:endParaRPr lang="en-US"/>
           </a:p>
@@ -4169,7 +4174,7 @@
             </a:r>
             <a:r>
               <a:rPr lang="de-DE" dirty="0" err="1"/>
-              <a:t>Preperation</a:t>
+              <a:t>Preparation</a:t>
             </a:r>
             <a:endParaRPr lang="en-US" dirty="0"/>
           </a:p>
@@ -4257,7 +4262,7 @@
             </a:r>
             <a:r>
               <a:rPr lang="de-DE" dirty="0" err="1"/>
-              <a:t>Preperation</a:t>
+              <a:t>Preparation</a:t>
             </a:r>
             <a:endParaRPr lang="en-US" dirty="0"/>
           </a:p>
@@ -5660,7 +5665,7 @@
           <a:p>
             <a:r>
               <a:rPr lang="de-DE" dirty="0"/>
-              <a:t>Log Date.csv	</a:t>
+              <a:t>Log Datei.csv	</a:t>
             </a:r>
             <a:endParaRPr lang="en-US" dirty="0"/>
           </a:p>
@@ -6152,7 +6157,7 @@
         </p:blipFill>
         <p:spPr>
           <a:xfrm>
-            <a:off x="5052934" y="-1632186"/>
+            <a:off x="5214859" y="-778406"/>
             <a:ext cx="7413379" cy="2469094"/>
           </a:xfrm>
           <a:prstGeom prst="rect">
@@ -6285,7 +6290,7 @@
             </a:r>
             <a:r>
               <a:rPr lang="de-DE" dirty="0" err="1"/>
-              <a:t>Preperation</a:t>
+              <a:t>Preparation</a:t>
             </a:r>
             <a:endParaRPr lang="en-US" dirty="0"/>
           </a:p>
@@ -6310,12 +6315,12 @@
         <p:spPr>
           <a:xfrm>
             <a:off x="838200" y="1825625"/>
-            <a:ext cx="5162550" cy="4351338"/>
+            <a:ext cx="5162550" cy="4667250"/>
           </a:xfrm>
         </p:spPr>
         <p:txBody>
           <a:bodyPr>
-            <a:normAutofit fontScale="92500" lnSpcReduction="20000"/>
+            <a:normAutofit fontScale="85000" lnSpcReduction="20000"/>
           </a:bodyPr>
           <a:lstStyle/>
           <a:p>
@@ -6386,7 +6391,16 @@
             </a:r>
           </a:p>
           <a:p>
-            <a:endParaRPr lang="de-DE" dirty="0"/>
+            <a:r>
+              <a:rPr lang="de-DE" dirty="0"/>
+              <a:t>Neue Features hinzufügen</a:t>
+            </a:r>
+          </a:p>
+          <a:p>
+            <a:r>
+              <a:rPr lang="de-DE" dirty="0"/>
+              <a:t>Daten eventuell normalisieren </a:t>
+            </a:r>
           </a:p>
         </p:txBody>
       </p:sp>

--- a/Dokumentation HHZ Rocket Project.pptx
+++ b/Dokumentation HHZ Rocket Project.pptx
@@ -5,7 +5,7 @@
     <p:sldMasterId id="2147483648" r:id="rId1"/>
   </p:sldMasterIdLst>
   <p:notesMasterIdLst>
-    <p:notesMasterId r:id="rId18"/>
+    <p:notesMasterId r:id="rId22"/>
   </p:notesMasterIdLst>
   <p:sldIdLst>
     <p:sldId id="256" r:id="rId2"/>
@@ -24,6 +24,10 @@
     <p:sldId id="273" r:id="rId15"/>
     <p:sldId id="277" r:id="rId16"/>
     <p:sldId id="274" r:id="rId17"/>
+    <p:sldId id="279" r:id="rId18"/>
+    <p:sldId id="280" r:id="rId19"/>
+    <p:sldId id="278" r:id="rId20"/>
+    <p:sldId id="281" r:id="rId21"/>
   </p:sldIdLst>
   <p:sldSz cx="12192000" cy="6858000"/>
   <p:notesSz cx="6858000" cy="9144000"/>
@@ -9579,7 +9583,7 @@
           <a:p>
             <a:fld id="{C3E4802E-3A1F-476D-8C5F-FA8A5493684E}" type="datetimeFigureOut">
               <a:rPr lang="en-US" smtClean="0"/>
-              <a:t>2/10/2024</a:t>
+              <a:t>2/14/2024</a:t>
             </a:fld>
             <a:endParaRPr lang="en-US"/>
           </a:p>
@@ -10364,7 +10368,7 @@
           <a:p>
             <a:fld id="{18DEE92F-2343-460E-A87F-DC2FD6DE70C4}" type="datetimeFigureOut">
               <a:rPr lang="en-US" smtClean="0"/>
-              <a:t>2/10/2024</a:t>
+              <a:t>2/14/2024</a:t>
             </a:fld>
             <a:endParaRPr lang="en-US"/>
           </a:p>
@@ -10564,7 +10568,7 @@
           <a:p>
             <a:fld id="{18DEE92F-2343-460E-A87F-DC2FD6DE70C4}" type="datetimeFigureOut">
               <a:rPr lang="en-US" smtClean="0"/>
-              <a:t>2/10/2024</a:t>
+              <a:t>2/14/2024</a:t>
             </a:fld>
             <a:endParaRPr lang="en-US"/>
           </a:p>
@@ -10774,7 +10778,7 @@
           <a:p>
             <a:fld id="{18DEE92F-2343-460E-A87F-DC2FD6DE70C4}" type="datetimeFigureOut">
               <a:rPr lang="en-US" smtClean="0"/>
-              <a:t>2/10/2024</a:t>
+              <a:t>2/14/2024</a:t>
             </a:fld>
             <a:endParaRPr lang="en-US"/>
           </a:p>
@@ -10974,7 +10978,7 @@
           <a:p>
             <a:fld id="{18DEE92F-2343-460E-A87F-DC2FD6DE70C4}" type="datetimeFigureOut">
               <a:rPr lang="en-US" smtClean="0"/>
-              <a:t>2/10/2024</a:t>
+              <a:t>2/14/2024</a:t>
             </a:fld>
             <a:endParaRPr lang="en-US"/>
           </a:p>
@@ -11250,7 +11254,7 @@
           <a:p>
             <a:fld id="{18DEE92F-2343-460E-A87F-DC2FD6DE70C4}" type="datetimeFigureOut">
               <a:rPr lang="en-US" smtClean="0"/>
-              <a:t>2/10/2024</a:t>
+              <a:t>2/14/2024</a:t>
             </a:fld>
             <a:endParaRPr lang="en-US"/>
           </a:p>
@@ -11518,7 +11522,7 @@
           <a:p>
             <a:fld id="{18DEE92F-2343-460E-A87F-DC2FD6DE70C4}" type="datetimeFigureOut">
               <a:rPr lang="en-US" smtClean="0"/>
-              <a:t>2/10/2024</a:t>
+              <a:t>2/14/2024</a:t>
             </a:fld>
             <a:endParaRPr lang="en-US"/>
           </a:p>
@@ -11933,7 +11937,7 @@
           <a:p>
             <a:fld id="{18DEE92F-2343-460E-A87F-DC2FD6DE70C4}" type="datetimeFigureOut">
               <a:rPr lang="en-US" smtClean="0"/>
-              <a:t>2/10/2024</a:t>
+              <a:t>2/14/2024</a:t>
             </a:fld>
             <a:endParaRPr lang="en-US"/>
           </a:p>
@@ -12075,7 +12079,7 @@
           <a:p>
             <a:fld id="{18DEE92F-2343-460E-A87F-DC2FD6DE70C4}" type="datetimeFigureOut">
               <a:rPr lang="en-US" smtClean="0"/>
-              <a:t>2/10/2024</a:t>
+              <a:t>2/14/2024</a:t>
             </a:fld>
             <a:endParaRPr lang="en-US"/>
           </a:p>
@@ -12188,7 +12192,7 @@
           <a:p>
             <a:fld id="{18DEE92F-2343-460E-A87F-DC2FD6DE70C4}" type="datetimeFigureOut">
               <a:rPr lang="en-US" smtClean="0"/>
-              <a:t>2/10/2024</a:t>
+              <a:t>2/14/2024</a:t>
             </a:fld>
             <a:endParaRPr lang="en-US"/>
           </a:p>
@@ -12501,7 +12505,7 @@
           <a:p>
             <a:fld id="{18DEE92F-2343-460E-A87F-DC2FD6DE70C4}" type="datetimeFigureOut">
               <a:rPr lang="en-US" smtClean="0"/>
-              <a:t>2/10/2024</a:t>
+              <a:t>2/14/2024</a:t>
             </a:fld>
             <a:endParaRPr lang="en-US"/>
           </a:p>
@@ -12790,7 +12794,7 @@
           <a:p>
             <a:fld id="{18DEE92F-2343-460E-A87F-DC2FD6DE70C4}" type="datetimeFigureOut">
               <a:rPr lang="en-US" smtClean="0"/>
-              <a:t>2/10/2024</a:t>
+              <a:t>2/14/2024</a:t>
             </a:fld>
             <a:endParaRPr lang="en-US"/>
           </a:p>
@@ -13033,7 +13037,7 @@
           <a:p>
             <a:fld id="{18DEE92F-2343-460E-A87F-DC2FD6DE70C4}" type="datetimeFigureOut">
               <a:rPr lang="en-US" smtClean="0"/>
-              <a:t>2/10/2024</a:t>
+              <a:t>2/14/2024</a:t>
             </a:fld>
             <a:endParaRPr lang="en-US"/>
           </a:p>
@@ -14462,7 +14466,15 @@
           <a:bodyPr/>
           <a:lstStyle/>
           <a:p>
-            <a:endParaRPr lang="en-US"/>
+            <a:r>
+              <a:rPr lang="en-US" dirty="0"/>
+              <a:t>Modeling - </a:t>
+            </a:r>
+            <a:r>
+              <a:rPr lang="en-US" dirty="0" err="1"/>
+              <a:t>Modellauswahl</a:t>
+            </a:r>
+            <a:endParaRPr lang="en-US" dirty="0"/>
           </a:p>
         </p:txBody>
       </p:sp>
@@ -14487,7 +14499,79 @@
           <a:bodyPr/>
           <a:lstStyle/>
           <a:p>
-            <a:endParaRPr lang="en-US"/>
+            <a:r>
+              <a:rPr lang="en-US" dirty="0" err="1"/>
+              <a:t>Erstellen</a:t>
+            </a:r>
+            <a:r>
+              <a:rPr lang="en-US" dirty="0"/>
+              <a:t> von </a:t>
+            </a:r>
+            <a:r>
+              <a:rPr lang="en-US" dirty="0" err="1"/>
+              <a:t>rollenden</a:t>
+            </a:r>
+            <a:r>
+              <a:rPr lang="en-US" dirty="0"/>
+              <a:t> </a:t>
+            </a:r>
+            <a:r>
+              <a:rPr lang="en-US" dirty="0" err="1"/>
+              <a:t>Mittelwerten</a:t>
+            </a:r>
+            <a:endParaRPr lang="en-US" dirty="0"/>
+          </a:p>
+          <a:p>
+            <a:r>
+              <a:rPr lang="en-US" dirty="0" err="1"/>
+              <a:t>Logistische</a:t>
+            </a:r>
+            <a:r>
+              <a:rPr lang="en-US" dirty="0"/>
+              <a:t> Regression</a:t>
+            </a:r>
+          </a:p>
+        </p:txBody>
+      </p:sp>
+      <p:sp>
+        <p:nvSpPr>
+          <p:cNvPr id="5" name="Textfeld 4">
+            <a:extLst>
+              <a:ext uri="{FF2B5EF4-FFF2-40B4-BE49-F238E27FC236}">
+                <a16:creationId xmlns:a16="http://schemas.microsoft.com/office/drawing/2014/main" id="{C0D797B1-5B1C-6B0E-FFFC-DE261542EA99}"/>
+              </a:ext>
+            </a:extLst>
+          </p:cNvPr>
+          <p:cNvSpPr txBox="1"/>
+          <p:nvPr/>
+        </p:nvSpPr>
+        <p:spPr>
+          <a:xfrm>
+            <a:off x="1096434" y="3827902"/>
+            <a:ext cx="6096000" cy="1200329"/>
+          </a:xfrm>
+          <a:prstGeom prst="rect">
+            <a:avLst/>
+          </a:prstGeom>
+          <a:noFill/>
+        </p:spPr>
+        <p:txBody>
+          <a:bodyPr wrap="square">
+            <a:spAutoFit/>
+          </a:bodyPr>
+          <a:lstStyle/>
+          <a:p>
+            <a:r>
+              <a:rPr lang="en-US" b="0" i="0" dirty="0">
+                <a:solidFill>
+                  <a:srgbClr val="000000"/>
+                </a:solidFill>
+                <a:effectLst/>
+                <a:latin typeface="Consolas" panose="020B0609020204030204" pitchFamily="49" charset="0"/>
+              </a:rPr>
+              <a:t>precision recall f1-score support 0 0.91 0.90 0.91 175 1 0.55 0.58 0.57 36 accuracy 0.85 211 macro avg 0.73 0.74 0.74 211 weighted avg 0.85 0.85 0.85 211</a:t>
+            </a:r>
+            <a:endParaRPr lang="de-DE" dirty="0"/>
           </a:p>
         </p:txBody>
       </p:sp>
@@ -14495,6 +14579,549 @@
     <p:extLst>
       <p:ext uri="{BB962C8B-B14F-4D97-AF65-F5344CB8AC3E}">
         <p14:creationId xmlns:p14="http://schemas.microsoft.com/office/powerpoint/2010/main" val="2314895977"/>
+      </p:ext>
+    </p:extLst>
+  </p:cSld>
+  <p:clrMapOvr>
+    <a:masterClrMapping/>
+  </p:clrMapOvr>
+</p:sld>
+</file>
+
+<file path=ppt/slides/slide17.xml><?xml version="1.0" encoding="utf-8"?>
+<p:sld xmlns:a="http://schemas.openxmlformats.org/drawingml/2006/main" xmlns:r="http://schemas.openxmlformats.org/officeDocument/2006/relationships" xmlns:p="http://schemas.openxmlformats.org/presentationml/2006/main">
+  <p:cSld>
+    <p:spTree>
+      <p:nvGrpSpPr>
+        <p:cNvPr id="1" name="">
+          <a:extLst>
+            <a:ext uri="{FF2B5EF4-FFF2-40B4-BE49-F238E27FC236}">
+              <a16:creationId xmlns:a16="http://schemas.microsoft.com/office/drawing/2014/main" id="{9D1DA6F4-5920-D0DB-2765-911E230E7BA9}"/>
+            </a:ext>
+          </a:extLst>
+        </p:cNvPr>
+        <p:cNvGrpSpPr/>
+        <p:nvPr/>
+      </p:nvGrpSpPr>
+      <p:grpSpPr>
+        <a:xfrm>
+          <a:off x="0" y="0"/>
+          <a:ext cx="0" cy="0"/>
+          <a:chOff x="0" y="0"/>
+          <a:chExt cx="0" cy="0"/>
+        </a:xfrm>
+      </p:grpSpPr>
+      <p:sp>
+        <p:nvSpPr>
+          <p:cNvPr id="2" name="Titel 1">
+            <a:extLst>
+              <a:ext uri="{FF2B5EF4-FFF2-40B4-BE49-F238E27FC236}">
+                <a16:creationId xmlns:a16="http://schemas.microsoft.com/office/drawing/2014/main" id="{A3968B53-FF11-94D9-66D4-AA70DF146D78}"/>
+              </a:ext>
+            </a:extLst>
+          </p:cNvPr>
+          <p:cNvSpPr>
+            <a:spLocks noGrp="1"/>
+          </p:cNvSpPr>
+          <p:nvPr>
+            <p:ph type="title"/>
+          </p:nvPr>
+        </p:nvSpPr>
+        <p:spPr/>
+        <p:txBody>
+          <a:bodyPr/>
+          <a:lstStyle/>
+          <a:p>
+            <a:r>
+              <a:rPr lang="en-US" dirty="0"/>
+              <a:t>Modeling - </a:t>
+            </a:r>
+            <a:r>
+              <a:rPr lang="en-US" dirty="0" err="1"/>
+              <a:t>Modellauswahl</a:t>
+            </a:r>
+            <a:endParaRPr lang="en-US" dirty="0"/>
+          </a:p>
+        </p:txBody>
+      </p:sp>
+      <p:sp>
+        <p:nvSpPr>
+          <p:cNvPr id="3" name="Inhaltsplatzhalter 2">
+            <a:extLst>
+              <a:ext uri="{FF2B5EF4-FFF2-40B4-BE49-F238E27FC236}">
+                <a16:creationId xmlns:a16="http://schemas.microsoft.com/office/drawing/2014/main" id="{B61B13AB-9438-5CDF-E862-21036379CAE1}"/>
+              </a:ext>
+            </a:extLst>
+          </p:cNvPr>
+          <p:cNvSpPr>
+            <a:spLocks noGrp="1"/>
+          </p:cNvSpPr>
+          <p:nvPr>
+            <p:ph idx="1"/>
+          </p:nvPr>
+        </p:nvSpPr>
+        <p:spPr>
+          <a:xfrm>
+            <a:off x="838200" y="1825625"/>
+            <a:ext cx="4957233" cy="540808"/>
+          </a:xfrm>
+        </p:spPr>
+        <p:txBody>
+          <a:bodyPr/>
+          <a:lstStyle/>
+          <a:p>
+            <a:r>
+              <a:rPr lang="en-US" dirty="0"/>
+              <a:t>Random </a:t>
+            </a:r>
+            <a:r>
+              <a:rPr lang="en-US" dirty="0" err="1"/>
+              <a:t>forrest</a:t>
+            </a:r>
+            <a:r>
+              <a:rPr lang="en-US" dirty="0"/>
+              <a:t> </a:t>
+            </a:r>
+            <a:r>
+              <a:rPr lang="en-US" dirty="0" err="1"/>
+              <a:t>Algorithmus</a:t>
+            </a:r>
+            <a:endParaRPr lang="en-US" dirty="0"/>
+          </a:p>
+          <a:p>
+            <a:endParaRPr lang="en-US" dirty="0"/>
+          </a:p>
+          <a:p>
+            <a:endParaRPr lang="en-US" dirty="0"/>
+          </a:p>
+        </p:txBody>
+      </p:sp>
+      <p:sp>
+        <p:nvSpPr>
+          <p:cNvPr id="4" name="Textfeld 3">
+            <a:extLst>
+              <a:ext uri="{FF2B5EF4-FFF2-40B4-BE49-F238E27FC236}">
+                <a16:creationId xmlns:a16="http://schemas.microsoft.com/office/drawing/2014/main" id="{DED72066-3C5A-EC0B-AB5E-6798169CDDE1}"/>
+              </a:ext>
+            </a:extLst>
+          </p:cNvPr>
+          <p:cNvSpPr txBox="1"/>
+          <p:nvPr/>
+        </p:nvSpPr>
+        <p:spPr>
+          <a:xfrm>
+            <a:off x="8005234" y="3539861"/>
+            <a:ext cx="3429000" cy="2585323"/>
+          </a:xfrm>
+          <a:prstGeom prst="rect">
+            <a:avLst/>
+          </a:prstGeom>
+          <a:noFill/>
+        </p:spPr>
+        <p:txBody>
+          <a:bodyPr wrap="square" rtlCol="0">
+            <a:spAutoFit/>
+          </a:bodyPr>
+          <a:lstStyle/>
+          <a:p>
+            <a:r>
+              <a:rPr lang="en-US" b="0" i="0" dirty="0">
+                <a:solidFill>
+                  <a:srgbClr val="000000"/>
+                </a:solidFill>
+                <a:effectLst/>
+                <a:latin typeface="Consolas" panose="020B0609020204030204" pitchFamily="49" charset="0"/>
+              </a:rPr>
+              <a:t>Accuracy: 0.8672985781990521 Precision: 0.5769230769230769 Recall: 0.8333333333333334 F1-Score: 0.6818181818181818 AUC-ROC Score: 0.8538095238095239</a:t>
+            </a:r>
+            <a:endParaRPr lang="de-DE" dirty="0"/>
+          </a:p>
+        </p:txBody>
+      </p:sp>
+      <p:sp>
+        <p:nvSpPr>
+          <p:cNvPr id="5" name="Textfeld 4">
+            <a:extLst>
+              <a:ext uri="{FF2B5EF4-FFF2-40B4-BE49-F238E27FC236}">
+                <a16:creationId xmlns:a16="http://schemas.microsoft.com/office/drawing/2014/main" id="{838E6478-7E67-5616-7DAB-2D1591654DF3}"/>
+              </a:ext>
+            </a:extLst>
+          </p:cNvPr>
+          <p:cNvSpPr txBox="1"/>
+          <p:nvPr/>
+        </p:nvSpPr>
+        <p:spPr>
+          <a:xfrm>
+            <a:off x="757766" y="3791460"/>
+            <a:ext cx="4419600" cy="2308324"/>
+          </a:xfrm>
+          <a:prstGeom prst="rect">
+            <a:avLst/>
+          </a:prstGeom>
+          <a:noFill/>
+        </p:spPr>
+        <p:txBody>
+          <a:bodyPr wrap="square" rtlCol="0">
+            <a:spAutoFit/>
+          </a:bodyPr>
+          <a:lstStyle/>
+          <a:p>
+            <a:r>
+              <a:rPr lang="de-DE" dirty="0"/>
+              <a:t>Verwendete Features:</a:t>
+            </a:r>
+          </a:p>
+          <a:p>
+            <a:endParaRPr lang="de-DE" dirty="0"/>
+          </a:p>
+          <a:p>
+            <a:r>
+              <a:rPr lang="de-DE" b="0" dirty="0">
+                <a:solidFill>
+                  <a:srgbClr val="A31515"/>
+                </a:solidFill>
+                <a:effectLst/>
+                <a:latin typeface="Consolas" panose="020B0609020204030204" pitchFamily="49" charset="0"/>
+              </a:rPr>
+              <a:t>'Druck‘</a:t>
+            </a:r>
+            <a:endParaRPr lang="de-DE" dirty="0">
+              <a:solidFill>
+                <a:srgbClr val="000000"/>
+              </a:solidFill>
+              <a:latin typeface="Consolas" panose="020B0609020204030204" pitchFamily="49" charset="0"/>
+            </a:endParaRPr>
+          </a:p>
+          <a:p>
+            <a:r>
+              <a:rPr lang="de-DE" b="0" dirty="0">
+                <a:solidFill>
+                  <a:srgbClr val="A31515"/>
+                </a:solidFill>
+                <a:effectLst/>
+                <a:latin typeface="Consolas" panose="020B0609020204030204" pitchFamily="49" charset="0"/>
+              </a:rPr>
+              <a:t>'Vibration‘</a:t>
+            </a:r>
+            <a:endParaRPr lang="de-DE" dirty="0">
+              <a:solidFill>
+                <a:srgbClr val="000000"/>
+              </a:solidFill>
+              <a:latin typeface="Consolas" panose="020B0609020204030204" pitchFamily="49" charset="0"/>
+            </a:endParaRPr>
+          </a:p>
+          <a:p>
+            <a:r>
+              <a:rPr lang="de-DE" b="0" dirty="0">
+                <a:solidFill>
+                  <a:srgbClr val="A31515"/>
+                </a:solidFill>
+                <a:effectLst/>
+                <a:latin typeface="Consolas" panose="020B0609020204030204" pitchFamily="49" charset="0"/>
+              </a:rPr>
+              <a:t>'Temperatur‘</a:t>
+            </a:r>
+            <a:endParaRPr lang="de-DE" dirty="0">
+              <a:solidFill>
+                <a:srgbClr val="000000"/>
+              </a:solidFill>
+              <a:latin typeface="Consolas" panose="020B0609020204030204" pitchFamily="49" charset="0"/>
+            </a:endParaRPr>
+          </a:p>
+          <a:p>
+            <a:r>
+              <a:rPr lang="de-DE" b="0" dirty="0">
+                <a:solidFill>
+                  <a:srgbClr val="A31515"/>
+                </a:solidFill>
+                <a:effectLst/>
+                <a:latin typeface="Consolas" panose="020B0609020204030204" pitchFamily="49" charset="0"/>
+              </a:rPr>
+              <a:t>'Ausschuss‘</a:t>
+            </a:r>
+            <a:endParaRPr lang="de-DE" dirty="0">
+              <a:solidFill>
+                <a:srgbClr val="000000"/>
+              </a:solidFill>
+              <a:latin typeface="Consolas" panose="020B0609020204030204" pitchFamily="49" charset="0"/>
+            </a:endParaRPr>
+          </a:p>
+          <a:p>
+            <a:r>
+              <a:rPr lang="de-DE" b="0" dirty="0">
+                <a:solidFill>
+                  <a:srgbClr val="A31515"/>
+                </a:solidFill>
+                <a:effectLst/>
+                <a:latin typeface="Consolas" panose="020B0609020204030204" pitchFamily="49" charset="0"/>
+              </a:rPr>
+              <a:t>'Produktionsindex'</a:t>
+            </a:r>
+            <a:endParaRPr lang="de-DE" b="0" dirty="0">
+              <a:solidFill>
+                <a:srgbClr val="000000"/>
+              </a:solidFill>
+              <a:effectLst/>
+              <a:latin typeface="Consolas" panose="020B0609020204030204" pitchFamily="49" charset="0"/>
+            </a:endParaRPr>
+          </a:p>
+          <a:p>
+            <a:endParaRPr lang="de-DE" dirty="0"/>
+          </a:p>
+        </p:txBody>
+      </p:sp>
+    </p:spTree>
+    <p:extLst>
+      <p:ext uri="{BB962C8B-B14F-4D97-AF65-F5344CB8AC3E}">
+        <p14:creationId xmlns:p14="http://schemas.microsoft.com/office/powerpoint/2010/main" val="1049719407"/>
+      </p:ext>
+    </p:extLst>
+  </p:cSld>
+  <p:clrMapOvr>
+    <a:masterClrMapping/>
+  </p:clrMapOvr>
+</p:sld>
+</file>
+
+<file path=ppt/slides/slide18.xml><?xml version="1.0" encoding="utf-8"?>
+<p:sld xmlns:a="http://schemas.openxmlformats.org/drawingml/2006/main" xmlns:r="http://schemas.openxmlformats.org/officeDocument/2006/relationships" xmlns:p="http://schemas.openxmlformats.org/presentationml/2006/main">
+  <p:cSld>
+    <p:spTree>
+      <p:nvGrpSpPr>
+        <p:cNvPr id="1" name="">
+          <a:extLst>
+            <a:ext uri="{FF2B5EF4-FFF2-40B4-BE49-F238E27FC236}">
+              <a16:creationId xmlns:a16="http://schemas.microsoft.com/office/drawing/2014/main" id="{0897E241-2815-C2AE-A134-2FEE5BC18A97}"/>
+            </a:ext>
+          </a:extLst>
+        </p:cNvPr>
+        <p:cNvGrpSpPr/>
+        <p:nvPr/>
+      </p:nvGrpSpPr>
+      <p:grpSpPr>
+        <a:xfrm>
+          <a:off x="0" y="0"/>
+          <a:ext cx="0" cy="0"/>
+          <a:chOff x="0" y="0"/>
+          <a:chExt cx="0" cy="0"/>
+        </a:xfrm>
+      </p:grpSpPr>
+      <p:sp>
+        <p:nvSpPr>
+          <p:cNvPr id="2" name="Titel 1">
+            <a:extLst>
+              <a:ext uri="{FF2B5EF4-FFF2-40B4-BE49-F238E27FC236}">
+                <a16:creationId xmlns:a16="http://schemas.microsoft.com/office/drawing/2014/main" id="{1B5EB2B8-4D6D-4A9B-0BFC-C37F3888FBD4}"/>
+              </a:ext>
+            </a:extLst>
+          </p:cNvPr>
+          <p:cNvSpPr>
+            <a:spLocks noGrp="1"/>
+          </p:cNvSpPr>
+          <p:nvPr>
+            <p:ph type="title"/>
+          </p:nvPr>
+        </p:nvSpPr>
+        <p:spPr/>
+        <p:txBody>
+          <a:bodyPr/>
+          <a:lstStyle/>
+          <a:p>
+            <a:r>
+              <a:rPr lang="en-US" dirty="0"/>
+              <a:t>Modeling - </a:t>
+            </a:r>
+            <a:r>
+              <a:rPr lang="en-US" dirty="0" err="1"/>
+              <a:t>Modellauswahl</a:t>
+            </a:r>
+            <a:endParaRPr lang="en-US" dirty="0"/>
+          </a:p>
+        </p:txBody>
+      </p:sp>
+      <p:sp>
+        <p:nvSpPr>
+          <p:cNvPr id="3" name="Inhaltsplatzhalter 2">
+            <a:extLst>
+              <a:ext uri="{FF2B5EF4-FFF2-40B4-BE49-F238E27FC236}">
+                <a16:creationId xmlns:a16="http://schemas.microsoft.com/office/drawing/2014/main" id="{B40A32BF-9525-3420-3DF6-4D31BC0E08F1}"/>
+              </a:ext>
+            </a:extLst>
+          </p:cNvPr>
+          <p:cNvSpPr>
+            <a:spLocks noGrp="1"/>
+          </p:cNvSpPr>
+          <p:nvPr>
+            <p:ph idx="1"/>
+          </p:nvPr>
+        </p:nvSpPr>
+        <p:spPr/>
+        <p:txBody>
+          <a:bodyPr/>
+          <a:lstStyle/>
+          <a:p>
+            <a:r>
+              <a:rPr lang="en-US" dirty="0" err="1"/>
+              <a:t>Betrachtung</a:t>
+            </a:r>
+            <a:r>
+              <a:rPr lang="en-US" dirty="0"/>
+              <a:t> der Feature Importance</a:t>
+            </a:r>
+          </a:p>
+        </p:txBody>
+      </p:sp>
+      <p:pic>
+        <p:nvPicPr>
+          <p:cNvPr id="5" name="Grafik 4">
+            <a:extLst>
+              <a:ext uri="{FF2B5EF4-FFF2-40B4-BE49-F238E27FC236}">
+                <a16:creationId xmlns:a16="http://schemas.microsoft.com/office/drawing/2014/main" id="{DF5C88B5-AB86-5056-D2A9-431074548A00}"/>
+              </a:ext>
+            </a:extLst>
+          </p:cNvPr>
+          <p:cNvPicPr>
+            <a:picLocks noChangeAspect="1"/>
+          </p:cNvPicPr>
+          <p:nvPr/>
+        </p:nvPicPr>
+        <p:blipFill>
+          <a:blip r:embed="rId2"/>
+          <a:stretch>
+            <a:fillRect/>
+          </a:stretch>
+        </p:blipFill>
+        <p:spPr>
+          <a:xfrm>
+            <a:off x="1824228" y="2415639"/>
+            <a:ext cx="6918600" cy="4013228"/>
+          </a:xfrm>
+          <a:prstGeom prst="rect">
+            <a:avLst/>
+          </a:prstGeom>
+        </p:spPr>
+      </p:pic>
+    </p:spTree>
+    <p:extLst>
+      <p:ext uri="{BB962C8B-B14F-4D97-AF65-F5344CB8AC3E}">
+        <p14:creationId xmlns:p14="http://schemas.microsoft.com/office/powerpoint/2010/main" val="82302342"/>
+      </p:ext>
+    </p:extLst>
+  </p:cSld>
+  <p:clrMapOvr>
+    <a:masterClrMapping/>
+  </p:clrMapOvr>
+</p:sld>
+</file>
+
+<file path=ppt/slides/slide19.xml><?xml version="1.0" encoding="utf-8"?>
+<p:sld xmlns:a="http://schemas.openxmlformats.org/drawingml/2006/main" xmlns:r="http://schemas.openxmlformats.org/officeDocument/2006/relationships" xmlns:p="http://schemas.openxmlformats.org/presentationml/2006/main">
+  <p:cSld>
+    <p:spTree>
+      <p:nvGrpSpPr>
+        <p:cNvPr id="1" name="">
+          <a:extLst>
+            <a:ext uri="{FF2B5EF4-FFF2-40B4-BE49-F238E27FC236}">
+              <a16:creationId xmlns:a16="http://schemas.microsoft.com/office/drawing/2014/main" id="{809D1C5B-5FDE-5FB5-FF48-44EA6181E6BA}"/>
+            </a:ext>
+          </a:extLst>
+        </p:cNvPr>
+        <p:cNvGrpSpPr/>
+        <p:nvPr/>
+      </p:nvGrpSpPr>
+      <p:grpSpPr>
+        <a:xfrm>
+          <a:off x="0" y="0"/>
+          <a:ext cx="0" cy="0"/>
+          <a:chOff x="0" y="0"/>
+          <a:chExt cx="0" cy="0"/>
+        </a:xfrm>
+      </p:grpSpPr>
+      <p:sp>
+        <p:nvSpPr>
+          <p:cNvPr id="2" name="Titel 1">
+            <a:extLst>
+              <a:ext uri="{FF2B5EF4-FFF2-40B4-BE49-F238E27FC236}">
+                <a16:creationId xmlns:a16="http://schemas.microsoft.com/office/drawing/2014/main" id="{CD6A4AF7-34FA-B007-9DA2-C7DD125A94CE}"/>
+              </a:ext>
+            </a:extLst>
+          </p:cNvPr>
+          <p:cNvSpPr>
+            <a:spLocks noGrp="1"/>
+          </p:cNvSpPr>
+          <p:nvPr>
+            <p:ph type="ctrTitle"/>
+          </p:nvPr>
+        </p:nvSpPr>
+        <p:spPr>
+          <a:xfrm>
+            <a:off x="1524000" y="3736350"/>
+            <a:ext cx="9144000" cy="2387600"/>
+          </a:xfrm>
+        </p:spPr>
+        <p:txBody>
+          <a:bodyPr/>
+          <a:lstStyle/>
+          <a:p>
+            <a:r>
+              <a:rPr lang="de-DE" dirty="0"/>
+              <a:t>Evaluation</a:t>
+            </a:r>
+            <a:endParaRPr lang="en-US" dirty="0"/>
+          </a:p>
+        </p:txBody>
+      </p:sp>
+      <p:pic>
+        <p:nvPicPr>
+          <p:cNvPr id="3" name="Picture 2" descr="What is CRISP DM? - Data Science Process Alliance">
+            <a:extLst>
+              <a:ext uri="{FF2B5EF4-FFF2-40B4-BE49-F238E27FC236}">
+                <a16:creationId xmlns:a16="http://schemas.microsoft.com/office/drawing/2014/main" id="{FA65D042-E048-2D25-9384-1337D2396C50}"/>
+              </a:ext>
+            </a:extLst>
+          </p:cNvPr>
+          <p:cNvPicPr>
+            <a:picLocks noChangeAspect="1" noChangeArrowheads="1"/>
+          </p:cNvPicPr>
+          <p:nvPr/>
+        </p:nvPicPr>
+        <p:blipFill>
+          <a:blip r:embed="rId2">
+            <a:extLst>
+              <a:ext uri="{28A0092B-C50C-407E-A947-70E740481C1C}">
+                <a14:useLocalDpi xmlns:a14="http://schemas.microsoft.com/office/drawing/2010/main" val="0"/>
+              </a:ext>
+            </a:extLst>
+          </a:blip>
+          <a:srcRect/>
+          <a:stretch>
+            <a:fillRect/>
+          </a:stretch>
+        </p:blipFill>
+        <p:spPr bwMode="auto">
+          <a:xfrm>
+            <a:off x="2725217" y="0"/>
+            <a:ext cx="6381430" cy="5220182"/>
+          </a:xfrm>
+          <a:prstGeom prst="rect">
+            <a:avLst/>
+          </a:prstGeom>
+          <a:noFill/>
+          <a:extLst>
+            <a:ext uri="{909E8E84-426E-40DD-AFC4-6F175D3DCCD1}">
+              <a14:hiddenFill xmlns:a14="http://schemas.microsoft.com/office/drawing/2010/main">
+                <a:solidFill>
+                  <a:srgbClr val="FFFFFF"/>
+                </a:solidFill>
+              </a14:hiddenFill>
+            </a:ext>
+          </a:extLst>
+        </p:spPr>
+      </p:pic>
+    </p:spTree>
+    <p:extLst>
+      <p:ext uri="{BB962C8B-B14F-4D97-AF65-F5344CB8AC3E}">
+        <p14:creationId xmlns:p14="http://schemas.microsoft.com/office/powerpoint/2010/main" val="2529020300"/>
       </p:ext>
     </p:extLst>
   </p:cSld>
@@ -14660,6 +15287,97 @@
     <p:extLst>
       <p:ext uri="{BB962C8B-B14F-4D97-AF65-F5344CB8AC3E}">
         <p14:creationId xmlns:p14="http://schemas.microsoft.com/office/powerpoint/2010/main" val="3479139215"/>
+      </p:ext>
+    </p:extLst>
+  </p:cSld>
+  <p:clrMapOvr>
+    <a:masterClrMapping/>
+  </p:clrMapOvr>
+</p:sld>
+</file>
+
+<file path=ppt/slides/slide20.xml><?xml version="1.0" encoding="utf-8"?>
+<p:sld xmlns:a="http://schemas.openxmlformats.org/drawingml/2006/main" xmlns:r="http://schemas.openxmlformats.org/officeDocument/2006/relationships" xmlns:p="http://schemas.openxmlformats.org/presentationml/2006/main">
+  <p:cSld>
+    <p:spTree>
+      <p:nvGrpSpPr>
+        <p:cNvPr id="1" name=""/>
+        <p:cNvGrpSpPr/>
+        <p:nvPr/>
+      </p:nvGrpSpPr>
+      <p:grpSpPr>
+        <a:xfrm>
+          <a:off x="0" y="0"/>
+          <a:ext cx="0" cy="0"/>
+          <a:chOff x="0" y="0"/>
+          <a:chExt cx="0" cy="0"/>
+        </a:xfrm>
+      </p:grpSpPr>
+      <p:sp>
+        <p:nvSpPr>
+          <p:cNvPr id="2" name="Titel 1">
+            <a:extLst>
+              <a:ext uri="{FF2B5EF4-FFF2-40B4-BE49-F238E27FC236}">
+                <a16:creationId xmlns:a16="http://schemas.microsoft.com/office/drawing/2014/main" id="{65CB0C3E-037F-A156-2883-28F2C9582A29}"/>
+              </a:ext>
+            </a:extLst>
+          </p:cNvPr>
+          <p:cNvSpPr>
+            <a:spLocks noGrp="1"/>
+          </p:cNvSpPr>
+          <p:nvPr>
+            <p:ph type="title"/>
+          </p:nvPr>
+        </p:nvSpPr>
+        <p:spPr/>
+        <p:txBody>
+          <a:bodyPr/>
+          <a:lstStyle/>
+          <a:p>
+            <a:r>
+              <a:rPr lang="de-DE"/>
+              <a:t>Evaluation</a:t>
+            </a:r>
+            <a:endParaRPr lang="de-DE" dirty="0"/>
+          </a:p>
+        </p:txBody>
+      </p:sp>
+      <p:sp>
+        <p:nvSpPr>
+          <p:cNvPr id="3" name="Inhaltsplatzhalter 2">
+            <a:extLst>
+              <a:ext uri="{FF2B5EF4-FFF2-40B4-BE49-F238E27FC236}">
+                <a16:creationId xmlns:a16="http://schemas.microsoft.com/office/drawing/2014/main" id="{C7DD3096-BA73-2A02-748F-FC2E6D867B53}"/>
+              </a:ext>
+            </a:extLst>
+          </p:cNvPr>
+          <p:cNvSpPr>
+            <a:spLocks noGrp="1"/>
+          </p:cNvSpPr>
+          <p:nvPr>
+            <p:ph idx="1"/>
+          </p:nvPr>
+        </p:nvSpPr>
+        <p:spPr/>
+        <p:txBody>
+          <a:bodyPr/>
+          <a:lstStyle/>
+          <a:p>
+            <a:r>
+              <a:rPr lang="de-DE" dirty="0" err="1"/>
+              <a:t>Warscheinlichkeiten</a:t>
+            </a:r>
+            <a:r>
+              <a:rPr lang="de-DE" dirty="0"/>
+              <a:t> etc. Übersicht</a:t>
+            </a:r>
+          </a:p>
+        </p:txBody>
+      </p:sp>
+    </p:spTree>
+    <p:extLst>
+      <p:ext uri="{BB962C8B-B14F-4D97-AF65-F5344CB8AC3E}">
+        <p14:creationId xmlns:p14="http://schemas.microsoft.com/office/powerpoint/2010/main" val="1007533382"/>
       </p:ext>
     </p:extLst>
   </p:cSld>
